--- a/ppt 16-9/1469.打胜仗.pptx
+++ b/ppt 16-9/1469.打胜仗.pptx
@@ -5,7 +5,7 @@
     <p:sldMasterId id="2147483648" r:id="rId1"/>
   </p:sldMasterIdLst>
   <p:sldIdLst>
-    <p:sldId id="1043" r:id="rId2"/>
+    <p:sldId id="1044" r:id="rId2"/>
   </p:sldIdLst>
   <p:sldSz cx="12192000" cy="6858000"/>
   <p:notesSz cx="6858000" cy="9144000"/>
@@ -129,7 +129,7 @@
           <p:cNvPr id="2" name="标题 1">
             <a:extLst>
               <a:ext uri="{FF2B5EF4-FFF2-40B4-BE49-F238E27FC236}">
-                <a16:creationId xmlns:a16="http://schemas.microsoft.com/office/drawing/2014/main" id="{D91F13EF-F56B-E347-C8D2-BDD6AAC553AF}"/>
+                <a16:creationId xmlns:a16="http://schemas.microsoft.com/office/drawing/2014/main" id="{CBEA3E58-A496-CA71-E04E-E4ADC9E20945}"/>
               </a:ext>
             </a:extLst>
           </p:cNvPr>
@@ -166,7 +166,7 @@
           <p:cNvPr id="3" name="副标题 2">
             <a:extLst>
               <a:ext uri="{FF2B5EF4-FFF2-40B4-BE49-F238E27FC236}">
-                <a16:creationId xmlns:a16="http://schemas.microsoft.com/office/drawing/2014/main" id="{CEBB51CA-8BEE-7AA7-75ED-0E5C9621367D}"/>
+                <a16:creationId xmlns:a16="http://schemas.microsoft.com/office/drawing/2014/main" id="{21367FEA-FE6D-32A4-FD00-CC6D58618EB6}"/>
               </a:ext>
             </a:extLst>
           </p:cNvPr>
@@ -236,7 +236,7 @@
           <p:cNvPr id="4" name="日期占位符 3">
             <a:extLst>
               <a:ext uri="{FF2B5EF4-FFF2-40B4-BE49-F238E27FC236}">
-                <a16:creationId xmlns:a16="http://schemas.microsoft.com/office/drawing/2014/main" id="{B4C28405-5062-A346-0B40-E0483F0DCB6D}"/>
+                <a16:creationId xmlns:a16="http://schemas.microsoft.com/office/drawing/2014/main" id="{6FA7D52B-EC42-22C6-F38A-E86DFDBD4365}"/>
               </a:ext>
             </a:extLst>
           </p:cNvPr>
@@ -252,7 +252,7 @@
           <a:bodyPr/>
           <a:lstStyle/>
           <a:p>
-            <a:fld id="{89EC9105-28C4-466C-8DEB-BFC453ADBF78}" type="datetimeFigureOut">
+            <a:fld id="{A7E9A06B-E7C5-4041-94FE-FA9CA8DBAD20}" type="datetimeFigureOut">
               <a:rPr lang="zh-CN" altLang="en-US" smtClean="0"/>
               <a:t>2024/3/10</a:t>
             </a:fld>
@@ -265,7 +265,7 @@
           <p:cNvPr id="5" name="页脚占位符 4">
             <a:extLst>
               <a:ext uri="{FF2B5EF4-FFF2-40B4-BE49-F238E27FC236}">
-                <a16:creationId xmlns:a16="http://schemas.microsoft.com/office/drawing/2014/main" id="{D2573685-49B0-AD27-ABFE-6008C51C75E8}"/>
+                <a16:creationId xmlns:a16="http://schemas.microsoft.com/office/drawing/2014/main" id="{73415AB2-3725-9C54-37B2-C11ED4BAE5A2}"/>
               </a:ext>
             </a:extLst>
           </p:cNvPr>
@@ -290,7 +290,7 @@
           <p:cNvPr id="6" name="灯片编号占位符 5">
             <a:extLst>
               <a:ext uri="{FF2B5EF4-FFF2-40B4-BE49-F238E27FC236}">
-                <a16:creationId xmlns:a16="http://schemas.microsoft.com/office/drawing/2014/main" id="{CA98A07E-0214-D79D-8632-B303C158CCAC}"/>
+                <a16:creationId xmlns:a16="http://schemas.microsoft.com/office/drawing/2014/main" id="{CCCF7583-632C-6F2E-5318-84FBB8CDBC4D}"/>
               </a:ext>
             </a:extLst>
           </p:cNvPr>
@@ -306,7 +306,7 @@
           <a:bodyPr/>
           <a:lstStyle/>
           <a:p>
-            <a:fld id="{53454FCA-A4F3-472B-BF61-DC4E84346F03}" type="slidenum">
+            <a:fld id="{B6CEA66B-5BC3-4DC2-97C6-2B3D12D57746}" type="slidenum">
               <a:rPr lang="zh-CN" altLang="en-US" smtClean="0"/>
               <a:t>‹#›</a:t>
             </a:fld>
@@ -317,7 +317,7 @@
     </p:spTree>
     <p:extLst>
       <p:ext uri="{BB962C8B-B14F-4D97-AF65-F5344CB8AC3E}">
-        <p14:creationId xmlns:p14="http://schemas.microsoft.com/office/powerpoint/2010/main" val="1555937944"/>
+        <p14:creationId xmlns:p14="http://schemas.microsoft.com/office/powerpoint/2010/main" val="1713154642"/>
       </p:ext>
     </p:extLst>
   </p:cSld>
@@ -349,7 +349,7 @@
           <p:cNvPr id="2" name="标题 1">
             <a:extLst>
               <a:ext uri="{FF2B5EF4-FFF2-40B4-BE49-F238E27FC236}">
-                <a16:creationId xmlns:a16="http://schemas.microsoft.com/office/drawing/2014/main" id="{4A9453AE-3A0D-C75B-D37F-86F27B24DE1F}"/>
+                <a16:creationId xmlns:a16="http://schemas.microsoft.com/office/drawing/2014/main" id="{47C3611B-1A91-AAD7-851B-458FE9E73BA5}"/>
               </a:ext>
             </a:extLst>
           </p:cNvPr>
@@ -377,7 +377,7 @@
           <p:cNvPr id="3" name="竖排文字占位符 2">
             <a:extLst>
               <a:ext uri="{FF2B5EF4-FFF2-40B4-BE49-F238E27FC236}">
-                <a16:creationId xmlns:a16="http://schemas.microsoft.com/office/drawing/2014/main" id="{EA48E9AE-D573-FC30-2802-DBC5AB26DC47}"/>
+                <a16:creationId xmlns:a16="http://schemas.microsoft.com/office/drawing/2014/main" id="{4AE8EB1E-0361-79A7-DF4B-4C993226655D}"/>
               </a:ext>
             </a:extLst>
           </p:cNvPr>
@@ -434,7 +434,7 @@
           <p:cNvPr id="4" name="日期占位符 3">
             <a:extLst>
               <a:ext uri="{FF2B5EF4-FFF2-40B4-BE49-F238E27FC236}">
-                <a16:creationId xmlns:a16="http://schemas.microsoft.com/office/drawing/2014/main" id="{020B45E3-4FD6-93B0-A322-BE2D25FE81FE}"/>
+                <a16:creationId xmlns:a16="http://schemas.microsoft.com/office/drawing/2014/main" id="{540868F5-181A-6CEB-76C0-BD29D823FFAE}"/>
               </a:ext>
             </a:extLst>
           </p:cNvPr>
@@ -450,7 +450,7 @@
           <a:bodyPr/>
           <a:lstStyle/>
           <a:p>
-            <a:fld id="{89EC9105-28C4-466C-8DEB-BFC453ADBF78}" type="datetimeFigureOut">
+            <a:fld id="{A7E9A06B-E7C5-4041-94FE-FA9CA8DBAD20}" type="datetimeFigureOut">
               <a:rPr lang="zh-CN" altLang="en-US" smtClean="0"/>
               <a:t>2024/3/10</a:t>
             </a:fld>
@@ -463,7 +463,7 @@
           <p:cNvPr id="5" name="页脚占位符 4">
             <a:extLst>
               <a:ext uri="{FF2B5EF4-FFF2-40B4-BE49-F238E27FC236}">
-                <a16:creationId xmlns:a16="http://schemas.microsoft.com/office/drawing/2014/main" id="{452E1F6E-35FF-4D2D-F4FD-B8C5A0B59AE0}"/>
+                <a16:creationId xmlns:a16="http://schemas.microsoft.com/office/drawing/2014/main" id="{84FF68A8-FE8E-4956-425C-49947E30E861}"/>
               </a:ext>
             </a:extLst>
           </p:cNvPr>
@@ -488,7 +488,7 @@
           <p:cNvPr id="6" name="灯片编号占位符 5">
             <a:extLst>
               <a:ext uri="{FF2B5EF4-FFF2-40B4-BE49-F238E27FC236}">
-                <a16:creationId xmlns:a16="http://schemas.microsoft.com/office/drawing/2014/main" id="{6FAA33FD-F15A-E916-930D-3F1D887FCC99}"/>
+                <a16:creationId xmlns:a16="http://schemas.microsoft.com/office/drawing/2014/main" id="{99FAF52B-AEEB-E780-F832-BFC7E41C93BD}"/>
               </a:ext>
             </a:extLst>
           </p:cNvPr>
@@ -504,7 +504,7 @@
           <a:bodyPr/>
           <a:lstStyle/>
           <a:p>
-            <a:fld id="{53454FCA-A4F3-472B-BF61-DC4E84346F03}" type="slidenum">
+            <a:fld id="{B6CEA66B-5BC3-4DC2-97C6-2B3D12D57746}" type="slidenum">
               <a:rPr lang="zh-CN" altLang="en-US" smtClean="0"/>
               <a:t>‹#›</a:t>
             </a:fld>
@@ -515,7 +515,7 @@
     </p:spTree>
     <p:extLst>
       <p:ext uri="{BB962C8B-B14F-4D97-AF65-F5344CB8AC3E}">
-        <p14:creationId xmlns:p14="http://schemas.microsoft.com/office/powerpoint/2010/main" val="506465873"/>
+        <p14:creationId xmlns:p14="http://schemas.microsoft.com/office/powerpoint/2010/main" val="2979813039"/>
       </p:ext>
     </p:extLst>
   </p:cSld>
@@ -547,7 +547,7 @@
           <p:cNvPr id="2" name="竖排标题 1">
             <a:extLst>
               <a:ext uri="{FF2B5EF4-FFF2-40B4-BE49-F238E27FC236}">
-                <a16:creationId xmlns:a16="http://schemas.microsoft.com/office/drawing/2014/main" id="{3201248E-5483-1131-D7D6-F03E9141647D}"/>
+                <a16:creationId xmlns:a16="http://schemas.microsoft.com/office/drawing/2014/main" id="{4F6AC4BE-2DF3-CC3B-C315-348C1D430131}"/>
               </a:ext>
             </a:extLst>
           </p:cNvPr>
@@ -580,7 +580,7 @@
           <p:cNvPr id="3" name="竖排文字占位符 2">
             <a:extLst>
               <a:ext uri="{FF2B5EF4-FFF2-40B4-BE49-F238E27FC236}">
-                <a16:creationId xmlns:a16="http://schemas.microsoft.com/office/drawing/2014/main" id="{AACA07A6-0EB4-1677-8838-32562D40E076}"/>
+                <a16:creationId xmlns:a16="http://schemas.microsoft.com/office/drawing/2014/main" id="{D8C136C0-FB6F-FE22-A954-CC4E503281AB}"/>
               </a:ext>
             </a:extLst>
           </p:cNvPr>
@@ -642,7 +642,7 @@
           <p:cNvPr id="4" name="日期占位符 3">
             <a:extLst>
               <a:ext uri="{FF2B5EF4-FFF2-40B4-BE49-F238E27FC236}">
-                <a16:creationId xmlns:a16="http://schemas.microsoft.com/office/drawing/2014/main" id="{E247A5E1-AE29-909C-8E7E-A9091B63B2D8}"/>
+                <a16:creationId xmlns:a16="http://schemas.microsoft.com/office/drawing/2014/main" id="{55BEC692-DA40-DBC8-E3D2-48C77CC7DE8D}"/>
               </a:ext>
             </a:extLst>
           </p:cNvPr>
@@ -658,7 +658,7 @@
           <a:bodyPr/>
           <a:lstStyle/>
           <a:p>
-            <a:fld id="{89EC9105-28C4-466C-8DEB-BFC453ADBF78}" type="datetimeFigureOut">
+            <a:fld id="{A7E9A06B-E7C5-4041-94FE-FA9CA8DBAD20}" type="datetimeFigureOut">
               <a:rPr lang="zh-CN" altLang="en-US" smtClean="0"/>
               <a:t>2024/3/10</a:t>
             </a:fld>
@@ -671,7 +671,7 @@
           <p:cNvPr id="5" name="页脚占位符 4">
             <a:extLst>
               <a:ext uri="{FF2B5EF4-FFF2-40B4-BE49-F238E27FC236}">
-                <a16:creationId xmlns:a16="http://schemas.microsoft.com/office/drawing/2014/main" id="{EDE21CA5-FC25-D1DE-5E6D-E255FCAB090C}"/>
+                <a16:creationId xmlns:a16="http://schemas.microsoft.com/office/drawing/2014/main" id="{451379D1-7E64-CA27-15D4-8C83FD5BC6F4}"/>
               </a:ext>
             </a:extLst>
           </p:cNvPr>
@@ -696,7 +696,7 @@
           <p:cNvPr id="6" name="灯片编号占位符 5">
             <a:extLst>
               <a:ext uri="{FF2B5EF4-FFF2-40B4-BE49-F238E27FC236}">
-                <a16:creationId xmlns:a16="http://schemas.microsoft.com/office/drawing/2014/main" id="{9B2EDBF2-BF48-8417-735B-453616B750F6}"/>
+                <a16:creationId xmlns:a16="http://schemas.microsoft.com/office/drawing/2014/main" id="{589C5870-2E21-CCA6-98A4-CFAC767BDE84}"/>
               </a:ext>
             </a:extLst>
           </p:cNvPr>
@@ -712,7 +712,7 @@
           <a:bodyPr/>
           <a:lstStyle/>
           <a:p>
-            <a:fld id="{53454FCA-A4F3-472B-BF61-DC4E84346F03}" type="slidenum">
+            <a:fld id="{B6CEA66B-5BC3-4DC2-97C6-2B3D12D57746}" type="slidenum">
               <a:rPr lang="zh-CN" altLang="en-US" smtClean="0"/>
               <a:t>‹#›</a:t>
             </a:fld>
@@ -723,7 +723,7 @@
     </p:spTree>
     <p:extLst>
       <p:ext uri="{BB962C8B-B14F-4D97-AF65-F5344CB8AC3E}">
-        <p14:creationId xmlns:p14="http://schemas.microsoft.com/office/powerpoint/2010/main" val="3121978414"/>
+        <p14:creationId xmlns:p14="http://schemas.microsoft.com/office/powerpoint/2010/main" val="3034557886"/>
       </p:ext>
     </p:extLst>
   </p:cSld>
@@ -755,7 +755,7 @@
           <p:cNvPr id="2" name="标题 1">
             <a:extLst>
               <a:ext uri="{FF2B5EF4-FFF2-40B4-BE49-F238E27FC236}">
-                <a16:creationId xmlns:a16="http://schemas.microsoft.com/office/drawing/2014/main" id="{F121D559-B106-C9B7-1FAB-9509C4A24EDA}"/>
+                <a16:creationId xmlns:a16="http://schemas.microsoft.com/office/drawing/2014/main" id="{BCF4B332-174D-0230-00CB-CA2D9F1F5367}"/>
               </a:ext>
             </a:extLst>
           </p:cNvPr>
@@ -783,7 +783,7 @@
           <p:cNvPr id="3" name="内容占位符 2">
             <a:extLst>
               <a:ext uri="{FF2B5EF4-FFF2-40B4-BE49-F238E27FC236}">
-                <a16:creationId xmlns:a16="http://schemas.microsoft.com/office/drawing/2014/main" id="{759C1621-9B9C-2D7E-1FAA-5116569B5098}"/>
+                <a16:creationId xmlns:a16="http://schemas.microsoft.com/office/drawing/2014/main" id="{F758A972-FA79-4163-2FE5-6426A685E729}"/>
               </a:ext>
             </a:extLst>
           </p:cNvPr>
@@ -840,7 +840,7 @@
           <p:cNvPr id="4" name="日期占位符 3">
             <a:extLst>
               <a:ext uri="{FF2B5EF4-FFF2-40B4-BE49-F238E27FC236}">
-                <a16:creationId xmlns:a16="http://schemas.microsoft.com/office/drawing/2014/main" id="{848D9BB0-8DB6-EB98-561E-077CE2CF8B63}"/>
+                <a16:creationId xmlns:a16="http://schemas.microsoft.com/office/drawing/2014/main" id="{B7546B44-9154-67F3-66B2-1E16A8F57520}"/>
               </a:ext>
             </a:extLst>
           </p:cNvPr>
@@ -856,7 +856,7 @@
           <a:bodyPr/>
           <a:lstStyle/>
           <a:p>
-            <a:fld id="{89EC9105-28C4-466C-8DEB-BFC453ADBF78}" type="datetimeFigureOut">
+            <a:fld id="{A7E9A06B-E7C5-4041-94FE-FA9CA8DBAD20}" type="datetimeFigureOut">
               <a:rPr lang="zh-CN" altLang="en-US" smtClean="0"/>
               <a:t>2024/3/10</a:t>
             </a:fld>
@@ -869,7 +869,7 @@
           <p:cNvPr id="5" name="页脚占位符 4">
             <a:extLst>
               <a:ext uri="{FF2B5EF4-FFF2-40B4-BE49-F238E27FC236}">
-                <a16:creationId xmlns:a16="http://schemas.microsoft.com/office/drawing/2014/main" id="{0D2F468B-4FEB-DE3A-B54F-B969E9583FC3}"/>
+                <a16:creationId xmlns:a16="http://schemas.microsoft.com/office/drawing/2014/main" id="{687B05B3-BAD2-E92E-5726-55128C186E89}"/>
               </a:ext>
             </a:extLst>
           </p:cNvPr>
@@ -894,7 +894,7 @@
           <p:cNvPr id="6" name="灯片编号占位符 5">
             <a:extLst>
               <a:ext uri="{FF2B5EF4-FFF2-40B4-BE49-F238E27FC236}">
-                <a16:creationId xmlns:a16="http://schemas.microsoft.com/office/drawing/2014/main" id="{ECCD1A08-7D35-1AAE-B3DC-74A74BE57F7E}"/>
+                <a16:creationId xmlns:a16="http://schemas.microsoft.com/office/drawing/2014/main" id="{055B2C04-5F62-AA7A-3A9B-EFC783E842E3}"/>
               </a:ext>
             </a:extLst>
           </p:cNvPr>
@@ -910,7 +910,7 @@
           <a:bodyPr/>
           <a:lstStyle/>
           <a:p>
-            <a:fld id="{53454FCA-A4F3-472B-BF61-DC4E84346F03}" type="slidenum">
+            <a:fld id="{B6CEA66B-5BC3-4DC2-97C6-2B3D12D57746}" type="slidenum">
               <a:rPr lang="zh-CN" altLang="en-US" smtClean="0"/>
               <a:t>‹#›</a:t>
             </a:fld>
@@ -921,7 +921,7 @@
     </p:spTree>
     <p:extLst>
       <p:ext uri="{BB962C8B-B14F-4D97-AF65-F5344CB8AC3E}">
-        <p14:creationId xmlns:p14="http://schemas.microsoft.com/office/powerpoint/2010/main" val="844119525"/>
+        <p14:creationId xmlns:p14="http://schemas.microsoft.com/office/powerpoint/2010/main" val="1993096805"/>
       </p:ext>
     </p:extLst>
   </p:cSld>
@@ -953,7 +953,7 @@
           <p:cNvPr id="2" name="标题 1">
             <a:extLst>
               <a:ext uri="{FF2B5EF4-FFF2-40B4-BE49-F238E27FC236}">
-                <a16:creationId xmlns:a16="http://schemas.microsoft.com/office/drawing/2014/main" id="{3CBC6302-811C-B652-845C-D354BEBE6BE6}"/>
+                <a16:creationId xmlns:a16="http://schemas.microsoft.com/office/drawing/2014/main" id="{471E56DB-2FFE-F711-9AD3-296A97045655}"/>
               </a:ext>
             </a:extLst>
           </p:cNvPr>
@@ -990,7 +990,7 @@
           <p:cNvPr id="3" name="文本占位符 2">
             <a:extLst>
               <a:ext uri="{FF2B5EF4-FFF2-40B4-BE49-F238E27FC236}">
-                <a16:creationId xmlns:a16="http://schemas.microsoft.com/office/drawing/2014/main" id="{7B8BB894-FEE4-DDEF-807E-EA5574F4A694}"/>
+                <a16:creationId xmlns:a16="http://schemas.microsoft.com/office/drawing/2014/main" id="{F63F73B7-9667-D16F-D167-33393682D7EC}"/>
               </a:ext>
             </a:extLst>
           </p:cNvPr>
@@ -1115,7 +1115,7 @@
           <p:cNvPr id="4" name="日期占位符 3">
             <a:extLst>
               <a:ext uri="{FF2B5EF4-FFF2-40B4-BE49-F238E27FC236}">
-                <a16:creationId xmlns:a16="http://schemas.microsoft.com/office/drawing/2014/main" id="{78E6D482-DCDC-29D0-EEB0-EAE6BAE9AEF2}"/>
+                <a16:creationId xmlns:a16="http://schemas.microsoft.com/office/drawing/2014/main" id="{E2FB835C-C519-2F93-1F2A-EE505E8DB67B}"/>
               </a:ext>
             </a:extLst>
           </p:cNvPr>
@@ -1131,7 +1131,7 @@
           <a:bodyPr/>
           <a:lstStyle/>
           <a:p>
-            <a:fld id="{89EC9105-28C4-466C-8DEB-BFC453ADBF78}" type="datetimeFigureOut">
+            <a:fld id="{A7E9A06B-E7C5-4041-94FE-FA9CA8DBAD20}" type="datetimeFigureOut">
               <a:rPr lang="zh-CN" altLang="en-US" smtClean="0"/>
               <a:t>2024/3/10</a:t>
             </a:fld>
@@ -1144,7 +1144,7 @@
           <p:cNvPr id="5" name="页脚占位符 4">
             <a:extLst>
               <a:ext uri="{FF2B5EF4-FFF2-40B4-BE49-F238E27FC236}">
-                <a16:creationId xmlns:a16="http://schemas.microsoft.com/office/drawing/2014/main" id="{0C833E02-1D22-6523-5EB1-50DF21726288}"/>
+                <a16:creationId xmlns:a16="http://schemas.microsoft.com/office/drawing/2014/main" id="{3C1543DF-B511-6268-AD4E-F0E4A770E2CA}"/>
               </a:ext>
             </a:extLst>
           </p:cNvPr>
@@ -1169,7 +1169,7 @@
           <p:cNvPr id="6" name="灯片编号占位符 5">
             <a:extLst>
               <a:ext uri="{FF2B5EF4-FFF2-40B4-BE49-F238E27FC236}">
-                <a16:creationId xmlns:a16="http://schemas.microsoft.com/office/drawing/2014/main" id="{51103FFF-5DFC-2D08-347F-ECCAF78C1BB6}"/>
+                <a16:creationId xmlns:a16="http://schemas.microsoft.com/office/drawing/2014/main" id="{DC6769EE-D6F4-0C10-94DD-C60F248D833A}"/>
               </a:ext>
             </a:extLst>
           </p:cNvPr>
@@ -1185,7 +1185,7 @@
           <a:bodyPr/>
           <a:lstStyle/>
           <a:p>
-            <a:fld id="{53454FCA-A4F3-472B-BF61-DC4E84346F03}" type="slidenum">
+            <a:fld id="{B6CEA66B-5BC3-4DC2-97C6-2B3D12D57746}" type="slidenum">
               <a:rPr lang="zh-CN" altLang="en-US" smtClean="0"/>
               <a:t>‹#›</a:t>
             </a:fld>
@@ -1196,7 +1196,7 @@
     </p:spTree>
     <p:extLst>
       <p:ext uri="{BB962C8B-B14F-4D97-AF65-F5344CB8AC3E}">
-        <p14:creationId xmlns:p14="http://schemas.microsoft.com/office/powerpoint/2010/main" val="2040954654"/>
+        <p14:creationId xmlns:p14="http://schemas.microsoft.com/office/powerpoint/2010/main" val="271095944"/>
       </p:ext>
     </p:extLst>
   </p:cSld>
@@ -1228,7 +1228,7 @@
           <p:cNvPr id="2" name="标题 1">
             <a:extLst>
               <a:ext uri="{FF2B5EF4-FFF2-40B4-BE49-F238E27FC236}">
-                <a16:creationId xmlns:a16="http://schemas.microsoft.com/office/drawing/2014/main" id="{3E55CE8B-DE7C-B996-9142-11BE44A9E74B}"/>
+                <a16:creationId xmlns:a16="http://schemas.microsoft.com/office/drawing/2014/main" id="{FD5EA91B-41B9-8B40-BDFF-5AEC5AB328DA}"/>
               </a:ext>
             </a:extLst>
           </p:cNvPr>
@@ -1256,7 +1256,7 @@
           <p:cNvPr id="3" name="内容占位符 2">
             <a:extLst>
               <a:ext uri="{FF2B5EF4-FFF2-40B4-BE49-F238E27FC236}">
-                <a16:creationId xmlns:a16="http://schemas.microsoft.com/office/drawing/2014/main" id="{7E0C994E-09AA-D03A-B02B-2C88838BA388}"/>
+                <a16:creationId xmlns:a16="http://schemas.microsoft.com/office/drawing/2014/main" id="{0CD3AE16-0382-D0A1-1258-D58D28CF4EB0}"/>
               </a:ext>
             </a:extLst>
           </p:cNvPr>
@@ -1318,7 +1318,7 @@
           <p:cNvPr id="4" name="内容占位符 3">
             <a:extLst>
               <a:ext uri="{FF2B5EF4-FFF2-40B4-BE49-F238E27FC236}">
-                <a16:creationId xmlns:a16="http://schemas.microsoft.com/office/drawing/2014/main" id="{FCDC9B3A-A7DA-95A0-06EA-AEA5B043B940}"/>
+                <a16:creationId xmlns:a16="http://schemas.microsoft.com/office/drawing/2014/main" id="{48410F11-629A-270E-5FF3-B39851E1AA71}"/>
               </a:ext>
             </a:extLst>
           </p:cNvPr>
@@ -1380,7 +1380,7 @@
           <p:cNvPr id="5" name="日期占位符 4">
             <a:extLst>
               <a:ext uri="{FF2B5EF4-FFF2-40B4-BE49-F238E27FC236}">
-                <a16:creationId xmlns:a16="http://schemas.microsoft.com/office/drawing/2014/main" id="{45831BDE-C65E-7FFA-62B5-8307D8979297}"/>
+                <a16:creationId xmlns:a16="http://schemas.microsoft.com/office/drawing/2014/main" id="{BEA7EEE7-08BF-C4B0-DD25-1599B042ADD7}"/>
               </a:ext>
             </a:extLst>
           </p:cNvPr>
@@ -1396,7 +1396,7 @@
           <a:bodyPr/>
           <a:lstStyle/>
           <a:p>
-            <a:fld id="{89EC9105-28C4-466C-8DEB-BFC453ADBF78}" type="datetimeFigureOut">
+            <a:fld id="{A7E9A06B-E7C5-4041-94FE-FA9CA8DBAD20}" type="datetimeFigureOut">
               <a:rPr lang="zh-CN" altLang="en-US" smtClean="0"/>
               <a:t>2024/3/10</a:t>
             </a:fld>
@@ -1409,7 +1409,7 @@
           <p:cNvPr id="6" name="页脚占位符 5">
             <a:extLst>
               <a:ext uri="{FF2B5EF4-FFF2-40B4-BE49-F238E27FC236}">
-                <a16:creationId xmlns:a16="http://schemas.microsoft.com/office/drawing/2014/main" id="{418C335A-9DB9-C07C-9F02-02C07B9431D2}"/>
+                <a16:creationId xmlns:a16="http://schemas.microsoft.com/office/drawing/2014/main" id="{4C5E421E-2033-6A85-97FE-9A5C9C63F279}"/>
               </a:ext>
             </a:extLst>
           </p:cNvPr>
@@ -1434,7 +1434,7 @@
           <p:cNvPr id="7" name="灯片编号占位符 6">
             <a:extLst>
               <a:ext uri="{FF2B5EF4-FFF2-40B4-BE49-F238E27FC236}">
-                <a16:creationId xmlns:a16="http://schemas.microsoft.com/office/drawing/2014/main" id="{D374B1F5-736E-8FBC-3081-F0B3801C50D9}"/>
+                <a16:creationId xmlns:a16="http://schemas.microsoft.com/office/drawing/2014/main" id="{38FE8186-6098-B516-81BF-451A9C6F0043}"/>
               </a:ext>
             </a:extLst>
           </p:cNvPr>
@@ -1450,7 +1450,7 @@
           <a:bodyPr/>
           <a:lstStyle/>
           <a:p>
-            <a:fld id="{53454FCA-A4F3-472B-BF61-DC4E84346F03}" type="slidenum">
+            <a:fld id="{B6CEA66B-5BC3-4DC2-97C6-2B3D12D57746}" type="slidenum">
               <a:rPr lang="zh-CN" altLang="en-US" smtClean="0"/>
               <a:t>‹#›</a:t>
             </a:fld>
@@ -1461,7 +1461,7 @@
     </p:spTree>
     <p:extLst>
       <p:ext uri="{BB962C8B-B14F-4D97-AF65-F5344CB8AC3E}">
-        <p14:creationId xmlns:p14="http://schemas.microsoft.com/office/powerpoint/2010/main" val="3745922819"/>
+        <p14:creationId xmlns:p14="http://schemas.microsoft.com/office/powerpoint/2010/main" val="3771837635"/>
       </p:ext>
     </p:extLst>
   </p:cSld>
@@ -1493,7 +1493,7 @@
           <p:cNvPr id="2" name="标题 1">
             <a:extLst>
               <a:ext uri="{FF2B5EF4-FFF2-40B4-BE49-F238E27FC236}">
-                <a16:creationId xmlns:a16="http://schemas.microsoft.com/office/drawing/2014/main" id="{9966DB61-0B81-5956-DD5F-BE6979631907}"/>
+                <a16:creationId xmlns:a16="http://schemas.microsoft.com/office/drawing/2014/main" id="{26587125-C892-01B1-7CE4-F28A88A2438B}"/>
               </a:ext>
             </a:extLst>
           </p:cNvPr>
@@ -1526,7 +1526,7 @@
           <p:cNvPr id="3" name="文本占位符 2">
             <a:extLst>
               <a:ext uri="{FF2B5EF4-FFF2-40B4-BE49-F238E27FC236}">
-                <a16:creationId xmlns:a16="http://schemas.microsoft.com/office/drawing/2014/main" id="{549F300F-66E2-4BB5-88D6-405ED5F402AC}"/>
+                <a16:creationId xmlns:a16="http://schemas.microsoft.com/office/drawing/2014/main" id="{0477333F-7DDB-8689-422B-218CC196E08E}"/>
               </a:ext>
             </a:extLst>
           </p:cNvPr>
@@ -1597,7 +1597,7 @@
           <p:cNvPr id="4" name="内容占位符 3">
             <a:extLst>
               <a:ext uri="{FF2B5EF4-FFF2-40B4-BE49-F238E27FC236}">
-                <a16:creationId xmlns:a16="http://schemas.microsoft.com/office/drawing/2014/main" id="{C574D1D1-558A-39F0-DB77-49C8CC2AFDA0}"/>
+                <a16:creationId xmlns:a16="http://schemas.microsoft.com/office/drawing/2014/main" id="{E1BAF79A-8C44-AA1B-3F00-27D77F9314C9}"/>
               </a:ext>
             </a:extLst>
           </p:cNvPr>
@@ -1659,7 +1659,7 @@
           <p:cNvPr id="5" name="文本占位符 4">
             <a:extLst>
               <a:ext uri="{FF2B5EF4-FFF2-40B4-BE49-F238E27FC236}">
-                <a16:creationId xmlns:a16="http://schemas.microsoft.com/office/drawing/2014/main" id="{5ACDFEDA-2109-AD9F-CA86-02C1CEE5FAD9}"/>
+                <a16:creationId xmlns:a16="http://schemas.microsoft.com/office/drawing/2014/main" id="{4783C92A-5CCB-2761-FAC1-C8AFCB6454D4}"/>
               </a:ext>
             </a:extLst>
           </p:cNvPr>
@@ -1730,7 +1730,7 @@
           <p:cNvPr id="6" name="内容占位符 5">
             <a:extLst>
               <a:ext uri="{FF2B5EF4-FFF2-40B4-BE49-F238E27FC236}">
-                <a16:creationId xmlns:a16="http://schemas.microsoft.com/office/drawing/2014/main" id="{5C1F9978-C6AC-751F-17C6-F75DCE2CF494}"/>
+                <a16:creationId xmlns:a16="http://schemas.microsoft.com/office/drawing/2014/main" id="{73846246-029E-828D-0539-237BC66F1258}"/>
               </a:ext>
             </a:extLst>
           </p:cNvPr>
@@ -1792,7 +1792,7 @@
           <p:cNvPr id="7" name="日期占位符 6">
             <a:extLst>
               <a:ext uri="{FF2B5EF4-FFF2-40B4-BE49-F238E27FC236}">
-                <a16:creationId xmlns:a16="http://schemas.microsoft.com/office/drawing/2014/main" id="{AB4978BF-2B12-91D4-7BF6-461824F636FA}"/>
+                <a16:creationId xmlns:a16="http://schemas.microsoft.com/office/drawing/2014/main" id="{8E202B93-680B-F336-3E03-C7FBEEDEF2BF}"/>
               </a:ext>
             </a:extLst>
           </p:cNvPr>
@@ -1808,7 +1808,7 @@
           <a:bodyPr/>
           <a:lstStyle/>
           <a:p>
-            <a:fld id="{89EC9105-28C4-466C-8DEB-BFC453ADBF78}" type="datetimeFigureOut">
+            <a:fld id="{A7E9A06B-E7C5-4041-94FE-FA9CA8DBAD20}" type="datetimeFigureOut">
               <a:rPr lang="zh-CN" altLang="en-US" smtClean="0"/>
               <a:t>2024/3/10</a:t>
             </a:fld>
@@ -1821,7 +1821,7 @@
           <p:cNvPr id="8" name="页脚占位符 7">
             <a:extLst>
               <a:ext uri="{FF2B5EF4-FFF2-40B4-BE49-F238E27FC236}">
-                <a16:creationId xmlns:a16="http://schemas.microsoft.com/office/drawing/2014/main" id="{1673CDC1-ABD9-8158-EB17-C10FEF90C4EF}"/>
+                <a16:creationId xmlns:a16="http://schemas.microsoft.com/office/drawing/2014/main" id="{41F622A8-2468-7B8A-E613-3FEC5255E7ED}"/>
               </a:ext>
             </a:extLst>
           </p:cNvPr>
@@ -1846,7 +1846,7 @@
           <p:cNvPr id="9" name="灯片编号占位符 8">
             <a:extLst>
               <a:ext uri="{FF2B5EF4-FFF2-40B4-BE49-F238E27FC236}">
-                <a16:creationId xmlns:a16="http://schemas.microsoft.com/office/drawing/2014/main" id="{579C3C3E-45E5-5586-FF8A-CF51DFC250BD}"/>
+                <a16:creationId xmlns:a16="http://schemas.microsoft.com/office/drawing/2014/main" id="{2BF5FD06-C03F-EB74-4D31-642AC8D519C0}"/>
               </a:ext>
             </a:extLst>
           </p:cNvPr>
@@ -1862,7 +1862,7 @@
           <a:bodyPr/>
           <a:lstStyle/>
           <a:p>
-            <a:fld id="{53454FCA-A4F3-472B-BF61-DC4E84346F03}" type="slidenum">
+            <a:fld id="{B6CEA66B-5BC3-4DC2-97C6-2B3D12D57746}" type="slidenum">
               <a:rPr lang="zh-CN" altLang="en-US" smtClean="0"/>
               <a:t>‹#›</a:t>
             </a:fld>
@@ -1873,7 +1873,7 @@
     </p:spTree>
     <p:extLst>
       <p:ext uri="{BB962C8B-B14F-4D97-AF65-F5344CB8AC3E}">
-        <p14:creationId xmlns:p14="http://schemas.microsoft.com/office/powerpoint/2010/main" val="821187230"/>
+        <p14:creationId xmlns:p14="http://schemas.microsoft.com/office/powerpoint/2010/main" val="4155848887"/>
       </p:ext>
     </p:extLst>
   </p:cSld>
@@ -1905,7 +1905,7 @@
           <p:cNvPr id="2" name="标题 1">
             <a:extLst>
               <a:ext uri="{FF2B5EF4-FFF2-40B4-BE49-F238E27FC236}">
-                <a16:creationId xmlns:a16="http://schemas.microsoft.com/office/drawing/2014/main" id="{A8265553-EF5E-E089-129C-07EAF2C57D7D}"/>
+                <a16:creationId xmlns:a16="http://schemas.microsoft.com/office/drawing/2014/main" id="{DA9ED283-25FD-6175-3F58-89525DC2839B}"/>
               </a:ext>
             </a:extLst>
           </p:cNvPr>
@@ -1933,7 +1933,7 @@
           <p:cNvPr id="3" name="日期占位符 2">
             <a:extLst>
               <a:ext uri="{FF2B5EF4-FFF2-40B4-BE49-F238E27FC236}">
-                <a16:creationId xmlns:a16="http://schemas.microsoft.com/office/drawing/2014/main" id="{DF676D55-0C4A-042D-70DD-A7ABA83EA80F}"/>
+                <a16:creationId xmlns:a16="http://schemas.microsoft.com/office/drawing/2014/main" id="{13C422C8-5AB9-875C-8733-7AF816F186E0}"/>
               </a:ext>
             </a:extLst>
           </p:cNvPr>
@@ -1949,7 +1949,7 @@
           <a:bodyPr/>
           <a:lstStyle/>
           <a:p>
-            <a:fld id="{89EC9105-28C4-466C-8DEB-BFC453ADBF78}" type="datetimeFigureOut">
+            <a:fld id="{A7E9A06B-E7C5-4041-94FE-FA9CA8DBAD20}" type="datetimeFigureOut">
               <a:rPr lang="zh-CN" altLang="en-US" smtClean="0"/>
               <a:t>2024/3/10</a:t>
             </a:fld>
@@ -1962,7 +1962,7 @@
           <p:cNvPr id="4" name="页脚占位符 3">
             <a:extLst>
               <a:ext uri="{FF2B5EF4-FFF2-40B4-BE49-F238E27FC236}">
-                <a16:creationId xmlns:a16="http://schemas.microsoft.com/office/drawing/2014/main" id="{6B10BF00-8C88-F8C0-2CF1-43D6BD25D20B}"/>
+                <a16:creationId xmlns:a16="http://schemas.microsoft.com/office/drawing/2014/main" id="{C8795899-B106-BA9E-8CD1-BDFED143D9E2}"/>
               </a:ext>
             </a:extLst>
           </p:cNvPr>
@@ -1987,7 +1987,7 @@
           <p:cNvPr id="5" name="灯片编号占位符 4">
             <a:extLst>
               <a:ext uri="{FF2B5EF4-FFF2-40B4-BE49-F238E27FC236}">
-                <a16:creationId xmlns:a16="http://schemas.microsoft.com/office/drawing/2014/main" id="{DA4A2392-A28F-0A32-1E97-D06421849298}"/>
+                <a16:creationId xmlns:a16="http://schemas.microsoft.com/office/drawing/2014/main" id="{393B843C-B844-465E-C70C-9C25178F4C5E}"/>
               </a:ext>
             </a:extLst>
           </p:cNvPr>
@@ -2003,7 +2003,7 @@
           <a:bodyPr/>
           <a:lstStyle/>
           <a:p>
-            <a:fld id="{53454FCA-A4F3-472B-BF61-DC4E84346F03}" type="slidenum">
+            <a:fld id="{B6CEA66B-5BC3-4DC2-97C6-2B3D12D57746}" type="slidenum">
               <a:rPr lang="zh-CN" altLang="en-US" smtClean="0"/>
               <a:t>‹#›</a:t>
             </a:fld>
@@ -2014,7 +2014,7 @@
     </p:spTree>
     <p:extLst>
       <p:ext uri="{BB962C8B-B14F-4D97-AF65-F5344CB8AC3E}">
-        <p14:creationId xmlns:p14="http://schemas.microsoft.com/office/powerpoint/2010/main" val="1032121568"/>
+        <p14:creationId xmlns:p14="http://schemas.microsoft.com/office/powerpoint/2010/main" val="2924810765"/>
       </p:ext>
     </p:extLst>
   </p:cSld>
@@ -2046,7 +2046,7 @@
           <p:cNvPr id="2" name="日期占位符 1">
             <a:extLst>
               <a:ext uri="{FF2B5EF4-FFF2-40B4-BE49-F238E27FC236}">
-                <a16:creationId xmlns:a16="http://schemas.microsoft.com/office/drawing/2014/main" id="{432DE3A3-B46B-BA03-1637-20C49F4AAC00}"/>
+                <a16:creationId xmlns:a16="http://schemas.microsoft.com/office/drawing/2014/main" id="{B8EB152F-ED6D-FB16-F002-6AED3CDBF06F}"/>
               </a:ext>
             </a:extLst>
           </p:cNvPr>
@@ -2062,7 +2062,7 @@
           <a:bodyPr/>
           <a:lstStyle/>
           <a:p>
-            <a:fld id="{89EC9105-28C4-466C-8DEB-BFC453ADBF78}" type="datetimeFigureOut">
+            <a:fld id="{A7E9A06B-E7C5-4041-94FE-FA9CA8DBAD20}" type="datetimeFigureOut">
               <a:rPr lang="zh-CN" altLang="en-US" smtClean="0"/>
               <a:t>2024/3/10</a:t>
             </a:fld>
@@ -2075,7 +2075,7 @@
           <p:cNvPr id="3" name="页脚占位符 2">
             <a:extLst>
               <a:ext uri="{FF2B5EF4-FFF2-40B4-BE49-F238E27FC236}">
-                <a16:creationId xmlns:a16="http://schemas.microsoft.com/office/drawing/2014/main" id="{F53BBD4C-4126-3E0E-3965-3B91CD763FED}"/>
+                <a16:creationId xmlns:a16="http://schemas.microsoft.com/office/drawing/2014/main" id="{5FAEC11C-D8A8-BD68-C1F7-044191DBF579}"/>
               </a:ext>
             </a:extLst>
           </p:cNvPr>
@@ -2100,7 +2100,7 @@
           <p:cNvPr id="4" name="灯片编号占位符 3">
             <a:extLst>
               <a:ext uri="{FF2B5EF4-FFF2-40B4-BE49-F238E27FC236}">
-                <a16:creationId xmlns:a16="http://schemas.microsoft.com/office/drawing/2014/main" id="{8191A1AB-B7F5-DF4D-A56B-7EF9D931CD77}"/>
+                <a16:creationId xmlns:a16="http://schemas.microsoft.com/office/drawing/2014/main" id="{3B8EDF6A-B898-B531-240D-98C0932F409A}"/>
               </a:ext>
             </a:extLst>
           </p:cNvPr>
@@ -2116,7 +2116,7 @@
           <a:bodyPr/>
           <a:lstStyle/>
           <a:p>
-            <a:fld id="{53454FCA-A4F3-472B-BF61-DC4E84346F03}" type="slidenum">
+            <a:fld id="{B6CEA66B-5BC3-4DC2-97C6-2B3D12D57746}" type="slidenum">
               <a:rPr lang="zh-CN" altLang="en-US" smtClean="0"/>
               <a:t>‹#›</a:t>
             </a:fld>
@@ -2127,7 +2127,7 @@
     </p:spTree>
     <p:extLst>
       <p:ext uri="{BB962C8B-B14F-4D97-AF65-F5344CB8AC3E}">
-        <p14:creationId xmlns:p14="http://schemas.microsoft.com/office/powerpoint/2010/main" val="3848863038"/>
+        <p14:creationId xmlns:p14="http://schemas.microsoft.com/office/powerpoint/2010/main" val="1075799961"/>
       </p:ext>
     </p:extLst>
   </p:cSld>
@@ -2159,7 +2159,7 @@
           <p:cNvPr id="2" name="标题 1">
             <a:extLst>
               <a:ext uri="{FF2B5EF4-FFF2-40B4-BE49-F238E27FC236}">
-                <a16:creationId xmlns:a16="http://schemas.microsoft.com/office/drawing/2014/main" id="{61EB276C-CA2B-F1E2-AB81-960616A8E2CB}"/>
+                <a16:creationId xmlns:a16="http://schemas.microsoft.com/office/drawing/2014/main" id="{E946F4B3-A291-B8EA-6ABA-2F837AB32A02}"/>
               </a:ext>
             </a:extLst>
           </p:cNvPr>
@@ -2196,7 +2196,7 @@
           <p:cNvPr id="3" name="内容占位符 2">
             <a:extLst>
               <a:ext uri="{FF2B5EF4-FFF2-40B4-BE49-F238E27FC236}">
-                <a16:creationId xmlns:a16="http://schemas.microsoft.com/office/drawing/2014/main" id="{778A5725-0F91-C0F4-7317-D84ECFB27A85}"/>
+                <a16:creationId xmlns:a16="http://schemas.microsoft.com/office/drawing/2014/main" id="{CCAB05E4-D04B-5BF4-3DED-21305EE8161B}"/>
               </a:ext>
             </a:extLst>
           </p:cNvPr>
@@ -2286,7 +2286,7 @@
           <p:cNvPr id="4" name="文本占位符 3">
             <a:extLst>
               <a:ext uri="{FF2B5EF4-FFF2-40B4-BE49-F238E27FC236}">
-                <a16:creationId xmlns:a16="http://schemas.microsoft.com/office/drawing/2014/main" id="{8F52ADD3-F513-8BDD-808B-D8991F5DD2D7}"/>
+                <a16:creationId xmlns:a16="http://schemas.microsoft.com/office/drawing/2014/main" id="{8DEB47C9-F948-E3F2-7D53-A8512F4EFC22}"/>
               </a:ext>
             </a:extLst>
           </p:cNvPr>
@@ -2357,7 +2357,7 @@
           <p:cNvPr id="5" name="日期占位符 4">
             <a:extLst>
               <a:ext uri="{FF2B5EF4-FFF2-40B4-BE49-F238E27FC236}">
-                <a16:creationId xmlns:a16="http://schemas.microsoft.com/office/drawing/2014/main" id="{BA211EBC-0FA2-16AA-674F-90B7E87FFD4F}"/>
+                <a16:creationId xmlns:a16="http://schemas.microsoft.com/office/drawing/2014/main" id="{BA2AD6E7-3FE4-99E0-9B81-76771D07209C}"/>
               </a:ext>
             </a:extLst>
           </p:cNvPr>
@@ -2373,7 +2373,7 @@
           <a:bodyPr/>
           <a:lstStyle/>
           <a:p>
-            <a:fld id="{89EC9105-28C4-466C-8DEB-BFC453ADBF78}" type="datetimeFigureOut">
+            <a:fld id="{A7E9A06B-E7C5-4041-94FE-FA9CA8DBAD20}" type="datetimeFigureOut">
               <a:rPr lang="zh-CN" altLang="en-US" smtClean="0"/>
               <a:t>2024/3/10</a:t>
             </a:fld>
@@ -2386,7 +2386,7 @@
           <p:cNvPr id="6" name="页脚占位符 5">
             <a:extLst>
               <a:ext uri="{FF2B5EF4-FFF2-40B4-BE49-F238E27FC236}">
-                <a16:creationId xmlns:a16="http://schemas.microsoft.com/office/drawing/2014/main" id="{0EBF5377-5D3A-90E3-0DAE-D2274B71E961}"/>
+                <a16:creationId xmlns:a16="http://schemas.microsoft.com/office/drawing/2014/main" id="{60DC9E2D-6FB1-4671-BA1B-0068830BD01F}"/>
               </a:ext>
             </a:extLst>
           </p:cNvPr>
@@ -2411,7 +2411,7 @@
           <p:cNvPr id="7" name="灯片编号占位符 6">
             <a:extLst>
               <a:ext uri="{FF2B5EF4-FFF2-40B4-BE49-F238E27FC236}">
-                <a16:creationId xmlns:a16="http://schemas.microsoft.com/office/drawing/2014/main" id="{5FC36660-4825-9656-8904-62724095E69B}"/>
+                <a16:creationId xmlns:a16="http://schemas.microsoft.com/office/drawing/2014/main" id="{E2367335-F928-D4F4-C869-6BA1C90584A1}"/>
               </a:ext>
             </a:extLst>
           </p:cNvPr>
@@ -2427,7 +2427,7 @@
           <a:bodyPr/>
           <a:lstStyle/>
           <a:p>
-            <a:fld id="{53454FCA-A4F3-472B-BF61-DC4E84346F03}" type="slidenum">
+            <a:fld id="{B6CEA66B-5BC3-4DC2-97C6-2B3D12D57746}" type="slidenum">
               <a:rPr lang="zh-CN" altLang="en-US" smtClean="0"/>
               <a:t>‹#›</a:t>
             </a:fld>
@@ -2438,7 +2438,7 @@
     </p:spTree>
     <p:extLst>
       <p:ext uri="{BB962C8B-B14F-4D97-AF65-F5344CB8AC3E}">
-        <p14:creationId xmlns:p14="http://schemas.microsoft.com/office/powerpoint/2010/main" val="542730634"/>
+        <p14:creationId xmlns:p14="http://schemas.microsoft.com/office/powerpoint/2010/main" val="418175549"/>
       </p:ext>
     </p:extLst>
   </p:cSld>
@@ -2470,7 +2470,7 @@
           <p:cNvPr id="2" name="标题 1">
             <a:extLst>
               <a:ext uri="{FF2B5EF4-FFF2-40B4-BE49-F238E27FC236}">
-                <a16:creationId xmlns:a16="http://schemas.microsoft.com/office/drawing/2014/main" id="{32719DAE-0158-3B39-BF45-1ED1C36F84B2}"/>
+                <a16:creationId xmlns:a16="http://schemas.microsoft.com/office/drawing/2014/main" id="{C293F46F-B3C7-651E-B655-4DA54AA9B640}"/>
               </a:ext>
             </a:extLst>
           </p:cNvPr>
@@ -2507,7 +2507,7 @@
           <p:cNvPr id="3" name="图片占位符 2">
             <a:extLst>
               <a:ext uri="{FF2B5EF4-FFF2-40B4-BE49-F238E27FC236}">
-                <a16:creationId xmlns:a16="http://schemas.microsoft.com/office/drawing/2014/main" id="{F5EAECE1-B0FE-77EC-37CE-EB2BC9EAD57D}"/>
+                <a16:creationId xmlns:a16="http://schemas.microsoft.com/office/drawing/2014/main" id="{7A750081-4094-5804-47AC-F278EF51CE8A}"/>
               </a:ext>
             </a:extLst>
           </p:cNvPr>
@@ -2574,7 +2574,7 @@
           <p:cNvPr id="4" name="文本占位符 3">
             <a:extLst>
               <a:ext uri="{FF2B5EF4-FFF2-40B4-BE49-F238E27FC236}">
-                <a16:creationId xmlns:a16="http://schemas.microsoft.com/office/drawing/2014/main" id="{08BF3DEA-1BF6-801E-2EDF-B8EAF1F65E98}"/>
+                <a16:creationId xmlns:a16="http://schemas.microsoft.com/office/drawing/2014/main" id="{1594FD51-F743-E21D-1288-47411CF0B412}"/>
               </a:ext>
             </a:extLst>
           </p:cNvPr>
@@ -2645,7 +2645,7 @@
           <p:cNvPr id="5" name="日期占位符 4">
             <a:extLst>
               <a:ext uri="{FF2B5EF4-FFF2-40B4-BE49-F238E27FC236}">
-                <a16:creationId xmlns:a16="http://schemas.microsoft.com/office/drawing/2014/main" id="{2782A6F0-BE69-158D-FC8C-C90C7404F767}"/>
+                <a16:creationId xmlns:a16="http://schemas.microsoft.com/office/drawing/2014/main" id="{D51C5658-19C1-45E8-2B98-9C77EA396648}"/>
               </a:ext>
             </a:extLst>
           </p:cNvPr>
@@ -2661,7 +2661,7 @@
           <a:bodyPr/>
           <a:lstStyle/>
           <a:p>
-            <a:fld id="{89EC9105-28C4-466C-8DEB-BFC453ADBF78}" type="datetimeFigureOut">
+            <a:fld id="{A7E9A06B-E7C5-4041-94FE-FA9CA8DBAD20}" type="datetimeFigureOut">
               <a:rPr lang="zh-CN" altLang="en-US" smtClean="0"/>
               <a:t>2024/3/10</a:t>
             </a:fld>
@@ -2674,7 +2674,7 @@
           <p:cNvPr id="6" name="页脚占位符 5">
             <a:extLst>
               <a:ext uri="{FF2B5EF4-FFF2-40B4-BE49-F238E27FC236}">
-                <a16:creationId xmlns:a16="http://schemas.microsoft.com/office/drawing/2014/main" id="{CB846769-5CAF-1975-D40D-B16BF4425B5E}"/>
+                <a16:creationId xmlns:a16="http://schemas.microsoft.com/office/drawing/2014/main" id="{AF408D62-4102-7FF5-D1A9-558F02F9F1EC}"/>
               </a:ext>
             </a:extLst>
           </p:cNvPr>
@@ -2699,7 +2699,7 @@
           <p:cNvPr id="7" name="灯片编号占位符 6">
             <a:extLst>
               <a:ext uri="{FF2B5EF4-FFF2-40B4-BE49-F238E27FC236}">
-                <a16:creationId xmlns:a16="http://schemas.microsoft.com/office/drawing/2014/main" id="{1CE6B81B-6025-FB14-3373-62FDE7DB7985}"/>
+                <a16:creationId xmlns:a16="http://schemas.microsoft.com/office/drawing/2014/main" id="{27DE0699-DAC5-9D4B-A99D-58E734B27EEB}"/>
               </a:ext>
             </a:extLst>
           </p:cNvPr>
@@ -2715,7 +2715,7 @@
           <a:bodyPr/>
           <a:lstStyle/>
           <a:p>
-            <a:fld id="{53454FCA-A4F3-472B-BF61-DC4E84346F03}" type="slidenum">
+            <a:fld id="{B6CEA66B-5BC3-4DC2-97C6-2B3D12D57746}" type="slidenum">
               <a:rPr lang="zh-CN" altLang="en-US" smtClean="0"/>
               <a:t>‹#›</a:t>
             </a:fld>
@@ -2726,7 +2726,7 @@
     </p:spTree>
     <p:extLst>
       <p:ext uri="{BB962C8B-B14F-4D97-AF65-F5344CB8AC3E}">
-        <p14:creationId xmlns:p14="http://schemas.microsoft.com/office/powerpoint/2010/main" val="1649949671"/>
+        <p14:creationId xmlns:p14="http://schemas.microsoft.com/office/powerpoint/2010/main" val="2353486308"/>
       </p:ext>
     </p:extLst>
   </p:cSld>
@@ -2763,7 +2763,7 @@
           <p:cNvPr id="2" name="标题占位符 1">
             <a:extLst>
               <a:ext uri="{FF2B5EF4-FFF2-40B4-BE49-F238E27FC236}">
-                <a16:creationId xmlns:a16="http://schemas.microsoft.com/office/drawing/2014/main" id="{BA9B449A-2237-F4EB-53BB-D0099EAE0284}"/>
+                <a16:creationId xmlns:a16="http://schemas.microsoft.com/office/drawing/2014/main" id="{0B55C8A1-217B-31E1-3EA2-542729599324}"/>
               </a:ext>
             </a:extLst>
           </p:cNvPr>
@@ -2801,7 +2801,7 @@
           <p:cNvPr id="3" name="文本占位符 2">
             <a:extLst>
               <a:ext uri="{FF2B5EF4-FFF2-40B4-BE49-F238E27FC236}">
-                <a16:creationId xmlns:a16="http://schemas.microsoft.com/office/drawing/2014/main" id="{7E599654-2173-C924-F4DB-6C8A3D60F661}"/>
+                <a16:creationId xmlns:a16="http://schemas.microsoft.com/office/drawing/2014/main" id="{39F6EA5D-44B8-D6AF-66C7-ED31B7298432}"/>
               </a:ext>
             </a:extLst>
           </p:cNvPr>
@@ -2868,7 +2868,7 @@
           <p:cNvPr id="4" name="日期占位符 3">
             <a:extLst>
               <a:ext uri="{FF2B5EF4-FFF2-40B4-BE49-F238E27FC236}">
-                <a16:creationId xmlns:a16="http://schemas.microsoft.com/office/drawing/2014/main" id="{C143330D-20E8-24DE-42D4-14A4CC8BD705}"/>
+                <a16:creationId xmlns:a16="http://schemas.microsoft.com/office/drawing/2014/main" id="{41BFEBE7-EB08-A9E6-092A-2F607F27E894}"/>
               </a:ext>
             </a:extLst>
           </p:cNvPr>
@@ -2902,7 +2902,7 @@
             </a:lvl1pPr>
           </a:lstStyle>
           <a:p>
-            <a:fld id="{89EC9105-28C4-466C-8DEB-BFC453ADBF78}" type="datetimeFigureOut">
+            <a:fld id="{A7E9A06B-E7C5-4041-94FE-FA9CA8DBAD20}" type="datetimeFigureOut">
               <a:rPr lang="zh-CN" altLang="en-US" smtClean="0"/>
               <a:t>2024/3/10</a:t>
             </a:fld>
@@ -2915,7 +2915,7 @@
           <p:cNvPr id="5" name="页脚占位符 4">
             <a:extLst>
               <a:ext uri="{FF2B5EF4-FFF2-40B4-BE49-F238E27FC236}">
-                <a16:creationId xmlns:a16="http://schemas.microsoft.com/office/drawing/2014/main" id="{4AFBF9EC-5734-1EA4-FE76-E4DDDCB3E235}"/>
+                <a16:creationId xmlns:a16="http://schemas.microsoft.com/office/drawing/2014/main" id="{0F4B5978-961D-ECB3-040E-669A50CBC205}"/>
               </a:ext>
             </a:extLst>
           </p:cNvPr>
@@ -2958,7 +2958,7 @@
           <p:cNvPr id="6" name="灯片编号占位符 5">
             <a:extLst>
               <a:ext uri="{FF2B5EF4-FFF2-40B4-BE49-F238E27FC236}">
-                <a16:creationId xmlns:a16="http://schemas.microsoft.com/office/drawing/2014/main" id="{17A49854-4D93-9695-1503-44AC417C5128}"/>
+                <a16:creationId xmlns:a16="http://schemas.microsoft.com/office/drawing/2014/main" id="{D20CFECA-E483-8D12-F6B7-F87CC5C2D8B4}"/>
               </a:ext>
             </a:extLst>
           </p:cNvPr>
@@ -2992,7 +2992,7 @@
             </a:lvl1pPr>
           </a:lstStyle>
           <a:p>
-            <a:fld id="{53454FCA-A4F3-472B-BF61-DC4E84346F03}" type="slidenum">
+            <a:fld id="{B6CEA66B-5BC3-4DC2-97C6-2B3D12D57746}" type="slidenum">
               <a:rPr lang="zh-CN" altLang="en-US" smtClean="0"/>
               <a:t>‹#›</a:t>
             </a:fld>
@@ -3003,7 +3003,7 @@
     </p:spTree>
     <p:extLst>
       <p:ext uri="{BB962C8B-B14F-4D97-AF65-F5344CB8AC3E}">
-        <p14:creationId xmlns:p14="http://schemas.microsoft.com/office/powerpoint/2010/main" val="1906070134"/>
+        <p14:creationId xmlns:p14="http://schemas.microsoft.com/office/powerpoint/2010/main" val="1677760667"/>
       </p:ext>
     </p:extLst>
   </p:cSld>
@@ -3323,7 +3323,7 @@
       </p:grpSpPr>
       <p:pic>
         <p:nvPicPr>
-          <p:cNvPr id="1504258" name="Picture 2" descr="1468"/>
+          <p:cNvPr id="1505282" name="Picture 2" descr="1469"/>
           <p:cNvPicPr>
             <a:picLocks noChangeAspect="1" noChangeArrowheads="1"/>
           </p:cNvPicPr>
@@ -3344,8 +3344,8 @@
         </p:blipFill>
         <p:spPr bwMode="auto">
           <a:xfrm>
-            <a:off x="1524000" y="0"/>
-            <a:ext cx="9144000" cy="6669088"/>
+            <a:off x="1524000" y="1"/>
+            <a:ext cx="9144000" cy="4437063"/>
           </a:xfrm>
           <a:prstGeom prst="rect">
             <a:avLst/>
